--- a/03-h-Mn/Pictures/ResAutocor.pptx
+++ b/03-h-Mn/Pictures/ResAutocor.pptx
@@ -288,7 +288,7 @@
           <a:p>
             <a:fld id="{AA3F154B-2AAC-4042-BE4F-B0B49B1AD11C}" type="datetimeFigureOut">
               <a:rPr lang="fr-FR" smtClean="0"/>
-              <a:t>11/07/2017</a:t>
+              <a:t>16/10/2017</a:t>
             </a:fld>
             <a:endParaRPr lang="fr-FR"/>
           </a:p>
@@ -458,7 +458,7 @@
           <a:p>
             <a:fld id="{AA3F154B-2AAC-4042-BE4F-B0B49B1AD11C}" type="datetimeFigureOut">
               <a:rPr lang="fr-FR" smtClean="0"/>
-              <a:t>11/07/2017</a:t>
+              <a:t>16/10/2017</a:t>
             </a:fld>
             <a:endParaRPr lang="fr-FR"/>
           </a:p>
@@ -638,7 +638,7 @@
           <a:p>
             <a:fld id="{AA3F154B-2AAC-4042-BE4F-B0B49B1AD11C}" type="datetimeFigureOut">
               <a:rPr lang="fr-FR" smtClean="0"/>
-              <a:t>11/07/2017</a:t>
+              <a:t>16/10/2017</a:t>
             </a:fld>
             <a:endParaRPr lang="fr-FR"/>
           </a:p>
@@ -808,7 +808,7 @@
           <a:p>
             <a:fld id="{AA3F154B-2AAC-4042-BE4F-B0B49B1AD11C}" type="datetimeFigureOut">
               <a:rPr lang="fr-FR" smtClean="0"/>
-              <a:t>11/07/2017</a:t>
+              <a:t>16/10/2017</a:t>
             </a:fld>
             <a:endParaRPr lang="fr-FR"/>
           </a:p>
@@ -1054,7 +1054,7 @@
           <a:p>
             <a:fld id="{AA3F154B-2AAC-4042-BE4F-B0B49B1AD11C}" type="datetimeFigureOut">
               <a:rPr lang="fr-FR" smtClean="0"/>
-              <a:t>11/07/2017</a:t>
+              <a:t>16/10/2017</a:t>
             </a:fld>
             <a:endParaRPr lang="fr-FR"/>
           </a:p>
@@ -1342,7 +1342,7 @@
           <a:p>
             <a:fld id="{AA3F154B-2AAC-4042-BE4F-B0B49B1AD11C}" type="datetimeFigureOut">
               <a:rPr lang="fr-FR" smtClean="0"/>
-              <a:t>11/07/2017</a:t>
+              <a:t>16/10/2017</a:t>
             </a:fld>
             <a:endParaRPr lang="fr-FR"/>
           </a:p>
@@ -1764,7 +1764,7 @@
           <a:p>
             <a:fld id="{AA3F154B-2AAC-4042-BE4F-B0B49B1AD11C}" type="datetimeFigureOut">
               <a:rPr lang="fr-FR" smtClean="0"/>
-              <a:t>11/07/2017</a:t>
+              <a:t>16/10/2017</a:t>
             </a:fld>
             <a:endParaRPr lang="fr-FR"/>
           </a:p>
@@ -1882,7 +1882,7 @@
           <a:p>
             <a:fld id="{AA3F154B-2AAC-4042-BE4F-B0B49B1AD11C}" type="datetimeFigureOut">
               <a:rPr lang="fr-FR" smtClean="0"/>
-              <a:t>11/07/2017</a:t>
+              <a:t>16/10/2017</a:t>
             </a:fld>
             <a:endParaRPr lang="fr-FR"/>
           </a:p>
@@ -1977,7 +1977,7 @@
           <a:p>
             <a:fld id="{AA3F154B-2AAC-4042-BE4F-B0B49B1AD11C}" type="datetimeFigureOut">
               <a:rPr lang="fr-FR" smtClean="0"/>
-              <a:t>11/07/2017</a:t>
+              <a:t>16/10/2017</a:t>
             </a:fld>
             <a:endParaRPr lang="fr-FR"/>
           </a:p>
@@ -2254,7 +2254,7 @@
           <a:p>
             <a:fld id="{AA3F154B-2AAC-4042-BE4F-B0B49B1AD11C}" type="datetimeFigureOut">
               <a:rPr lang="fr-FR" smtClean="0"/>
-              <a:t>11/07/2017</a:t>
+              <a:t>16/10/2017</a:t>
             </a:fld>
             <a:endParaRPr lang="fr-FR"/>
           </a:p>
@@ -2507,7 +2507,7 @@
           <a:p>
             <a:fld id="{AA3F154B-2AAC-4042-BE4F-B0B49B1AD11C}" type="datetimeFigureOut">
               <a:rPr lang="fr-FR" smtClean="0"/>
-              <a:t>11/07/2017</a:t>
+              <a:t>16/10/2017</a:t>
             </a:fld>
             <a:endParaRPr lang="fr-FR"/>
           </a:p>
@@ -2720,7 +2720,7 @@
           <a:p>
             <a:fld id="{AA3F154B-2AAC-4042-BE4F-B0B49B1AD11C}" type="datetimeFigureOut">
               <a:rPr lang="fr-FR" smtClean="0"/>
-              <a:t>11/07/2017</a:t>
+              <a:t>16/10/2017</a:t>
             </a:fld>
             <a:endParaRPr lang="fr-FR"/>
           </a:p>
@@ -3261,8 +3261,8 @@
         </p:nvSpPr>
         <p:spPr>
           <a:xfrm>
-            <a:off x="395536" y="44624"/>
-            <a:ext cx="441146" cy="369332"/>
+            <a:off x="496781" y="44624"/>
+            <a:ext cx="691215" cy="523220"/>
           </a:xfrm>
           <a:prstGeom prst="rect">
             <a:avLst/>
@@ -3276,13 +3276,29 @@
           <a:lstStyle/>
           <a:p>
             <a:r>
-              <a:rPr lang="fr-FR" dirty="0" smtClean="0">
+              <a:rPr lang="fr-FR" sz="1400" dirty="0" smtClean="0">
                 <a:latin typeface="Times New Roman" panose="02020603050405020304" pitchFamily="18" charset="0"/>
                 <a:cs typeface="Times New Roman" panose="02020603050405020304" pitchFamily="18" charset="0"/>
               </a:rPr>
               <a:t>(a)</a:t>
             </a:r>
-            <a:endParaRPr lang="fr-FR" dirty="0">
+          </a:p>
+          <a:p>
+            <a:r>
+              <a:rPr lang="fr-FR" sz="1400" dirty="0" smtClean="0">
+                <a:latin typeface="Times New Roman" panose="02020603050405020304" pitchFamily="18" charset="0"/>
+                <a:cs typeface="Times New Roman" panose="02020603050405020304" pitchFamily="18" charset="0"/>
+              </a:rPr>
+              <a:t>|</a:t>
+            </a:r>
+            <a:r>
+              <a:rPr lang="fr-FR" sz="1400" dirty="0" smtClean="0">
+                <a:latin typeface="Times New Roman" panose="02020603050405020304" pitchFamily="18" charset="0"/>
+                <a:cs typeface="Times New Roman" panose="02020603050405020304" pitchFamily="18" charset="0"/>
+              </a:rPr>
+              <a:t>3, +1&gt;</a:t>
+            </a:r>
+            <a:endParaRPr lang="fr-FR" sz="1400" dirty="0">
               <a:latin typeface="Times New Roman" panose="02020603050405020304" pitchFamily="18" charset="0"/>
               <a:cs typeface="Times New Roman" panose="02020603050405020304" pitchFamily="18" charset="0"/>
             </a:endParaRPr>
@@ -3297,8 +3313,8 @@
         </p:nvSpPr>
         <p:spPr>
           <a:xfrm>
-            <a:off x="2843808" y="44624"/>
-            <a:ext cx="453970" cy="369332"/>
+            <a:off x="2945053" y="44624"/>
+            <a:ext cx="691215" cy="523220"/>
           </a:xfrm>
           <a:prstGeom prst="rect">
             <a:avLst/>
@@ -3312,13 +3328,36 @@
           <a:lstStyle/>
           <a:p>
             <a:r>
-              <a:rPr lang="fr-FR" dirty="0" smtClean="0">
+              <a:rPr lang="fr-FR" sz="1400" dirty="0" smtClean="0">
                 <a:latin typeface="Times New Roman" panose="02020603050405020304" pitchFamily="18" charset="0"/>
                 <a:cs typeface="Times New Roman" panose="02020603050405020304" pitchFamily="18" charset="0"/>
               </a:rPr>
               <a:t>(b)</a:t>
             </a:r>
-            <a:endParaRPr lang="fr-FR" dirty="0">
+          </a:p>
+          <a:p>
+            <a:r>
+              <a:rPr lang="fr-FR" sz="1400" dirty="0" smtClean="0">
+                <a:latin typeface="Times New Roman" panose="02020603050405020304" pitchFamily="18" charset="0"/>
+                <a:cs typeface="Times New Roman" panose="02020603050405020304" pitchFamily="18" charset="0"/>
+              </a:rPr>
+              <a:t>|</a:t>
+            </a:r>
+            <a:r>
+              <a:rPr lang="fr-FR" sz="1400" dirty="0">
+                <a:latin typeface="Times New Roman" panose="02020603050405020304" pitchFamily="18" charset="0"/>
+                <a:cs typeface="Times New Roman" panose="02020603050405020304" pitchFamily="18" charset="0"/>
+              </a:rPr>
+              <a:t>3, </a:t>
+            </a:r>
+            <a:r>
+              <a:rPr lang="fr-FR" sz="1400" dirty="0" smtClean="0">
+                <a:latin typeface="Times New Roman" panose="02020603050405020304" pitchFamily="18" charset="0"/>
+                <a:cs typeface="Times New Roman" panose="02020603050405020304" pitchFamily="18" charset="0"/>
+              </a:rPr>
+              <a:t>+2&gt;</a:t>
+            </a:r>
+            <a:endParaRPr lang="fr-FR" sz="1400" dirty="0">
               <a:latin typeface="Times New Roman" panose="02020603050405020304" pitchFamily="18" charset="0"/>
               <a:cs typeface="Times New Roman" panose="02020603050405020304" pitchFamily="18" charset="0"/>
             </a:endParaRPr>
@@ -3333,8 +3372,8 @@
         </p:nvSpPr>
         <p:spPr>
           <a:xfrm>
-            <a:off x="5292080" y="44624"/>
-            <a:ext cx="441146" cy="369332"/>
+            <a:off x="5393325" y="44624"/>
+            <a:ext cx="691215" cy="523220"/>
           </a:xfrm>
           <a:prstGeom prst="rect">
             <a:avLst/>
@@ -3348,13 +3387,29 @@
           <a:lstStyle/>
           <a:p>
             <a:r>
-              <a:rPr lang="fr-FR" dirty="0" smtClean="0">
+              <a:rPr lang="fr-FR" sz="1400" dirty="0" smtClean="0">
                 <a:latin typeface="Times New Roman" panose="02020603050405020304" pitchFamily="18" charset="0"/>
                 <a:cs typeface="Times New Roman" panose="02020603050405020304" pitchFamily="18" charset="0"/>
               </a:rPr>
               <a:t>(c)</a:t>
             </a:r>
-            <a:endParaRPr lang="fr-FR" dirty="0">
+          </a:p>
+          <a:p>
+            <a:r>
+              <a:rPr lang="fr-FR" sz="1400" dirty="0" smtClean="0">
+                <a:latin typeface="Times New Roman" panose="02020603050405020304" pitchFamily="18" charset="0"/>
+                <a:cs typeface="Times New Roman" panose="02020603050405020304" pitchFamily="18" charset="0"/>
+              </a:rPr>
+              <a:t>|</a:t>
+            </a:r>
+            <a:r>
+              <a:rPr lang="fr-FR" sz="1400" dirty="0" smtClean="0">
+                <a:latin typeface="Times New Roman" panose="02020603050405020304" pitchFamily="18" charset="0"/>
+                <a:cs typeface="Times New Roman" panose="02020603050405020304" pitchFamily="18" charset="0"/>
+              </a:rPr>
+              <a:t>2, +2&gt;</a:t>
+            </a:r>
+            <a:endParaRPr lang="fr-FR" sz="1400" dirty="0">
               <a:latin typeface="Times New Roman" panose="02020603050405020304" pitchFamily="18" charset="0"/>
               <a:cs typeface="Times New Roman" panose="02020603050405020304" pitchFamily="18" charset="0"/>
             </a:endParaRPr>
